--- a/R/スライド/第35回.pptx
+++ b/R/スライド/第35回.pptx
@@ -1284,7 +1284,7 @@
           <a:p>
             <a:fld id="{3DE4363B-A72F-604B-B2C5-57DD9C50814F}" type="datetimeFigureOut">
               <a:rPr kumimoji="1" lang="ja-JP" altLang="en-US" smtClean="0"/>
-              <a:t>2023/9/21</a:t>
+              <a:t>2023/11/27</a:t>
             </a:fld>
             <a:endParaRPr kumimoji="1" lang="ja-JP" altLang="en-US"/>
           </a:p>
@@ -1898,7 +1898,7 @@
           <a:p>
             <a:fld id="{EDA4AE83-4A0C-3B4A-AF1D-89CAAD7AFFD1}" type="datetimeFigureOut">
               <a:rPr kumimoji="1" lang="ja-JP" altLang="en-US" smtClean="0"/>
-              <a:t>2023/9/21</a:t>
+              <a:t>2023/11/27</a:t>
             </a:fld>
             <a:endParaRPr kumimoji="1" lang="ja-JP" altLang="en-US"/>
           </a:p>
@@ -2128,7 +2128,7 @@
           <a:p>
             <a:fld id="{EDA4AE83-4A0C-3B4A-AF1D-89CAAD7AFFD1}" type="datetimeFigureOut">
               <a:rPr kumimoji="1" lang="ja-JP" altLang="en-US" smtClean="0"/>
-              <a:t>2023/9/21</a:t>
+              <a:t>2023/11/27</a:t>
             </a:fld>
             <a:endParaRPr kumimoji="1" lang="ja-JP" altLang="en-US"/>
           </a:p>
@@ -2368,7 +2368,7 @@
           <a:p>
             <a:fld id="{EDA4AE83-4A0C-3B4A-AF1D-89CAAD7AFFD1}" type="datetimeFigureOut">
               <a:rPr kumimoji="1" lang="ja-JP" altLang="en-US" smtClean="0"/>
-              <a:t>2023/9/21</a:t>
+              <a:t>2023/11/27</a:t>
             </a:fld>
             <a:endParaRPr kumimoji="1" lang="ja-JP" altLang="en-US"/>
           </a:p>
@@ -2598,7 +2598,7 @@
           <a:p>
             <a:fld id="{EDA4AE83-4A0C-3B4A-AF1D-89CAAD7AFFD1}" type="datetimeFigureOut">
               <a:rPr kumimoji="1" lang="ja-JP" altLang="en-US" smtClean="0"/>
-              <a:t>2023/9/21</a:t>
+              <a:t>2023/11/27</a:t>
             </a:fld>
             <a:endParaRPr kumimoji="1" lang="ja-JP" altLang="en-US"/>
           </a:p>
@@ -2873,7 +2873,7 @@
           <a:p>
             <a:fld id="{EDA4AE83-4A0C-3B4A-AF1D-89CAAD7AFFD1}" type="datetimeFigureOut">
               <a:rPr kumimoji="1" lang="ja-JP" altLang="en-US" smtClean="0"/>
-              <a:t>2023/9/21</a:t>
+              <a:t>2023/11/27</a:t>
             </a:fld>
             <a:endParaRPr kumimoji="1" lang="ja-JP" altLang="en-US"/>
           </a:p>
@@ -3202,7 +3202,7 @@
           <a:p>
             <a:fld id="{EDA4AE83-4A0C-3B4A-AF1D-89CAAD7AFFD1}" type="datetimeFigureOut">
               <a:rPr kumimoji="1" lang="ja-JP" altLang="en-US" smtClean="0"/>
-              <a:t>2023/9/21</a:t>
+              <a:t>2023/11/27</a:t>
             </a:fld>
             <a:endParaRPr kumimoji="1" lang="ja-JP" altLang="en-US"/>
           </a:p>
@@ -3678,7 +3678,7 @@
           <a:p>
             <a:fld id="{EDA4AE83-4A0C-3B4A-AF1D-89CAAD7AFFD1}" type="datetimeFigureOut">
               <a:rPr kumimoji="1" lang="ja-JP" altLang="en-US" smtClean="0"/>
-              <a:t>2023/9/21</a:t>
+              <a:t>2023/11/27</a:t>
             </a:fld>
             <a:endParaRPr kumimoji="1" lang="ja-JP" altLang="en-US"/>
           </a:p>
@@ -3819,7 +3819,7 @@
           <a:p>
             <a:fld id="{EDA4AE83-4A0C-3B4A-AF1D-89CAAD7AFFD1}" type="datetimeFigureOut">
               <a:rPr kumimoji="1" lang="ja-JP" altLang="en-US" smtClean="0"/>
-              <a:t>2023/9/21</a:t>
+              <a:t>2023/11/27</a:t>
             </a:fld>
             <a:endParaRPr kumimoji="1" lang="ja-JP" altLang="en-US"/>
           </a:p>
@@ -3932,7 +3932,7 @@
           <a:p>
             <a:fld id="{EDA4AE83-4A0C-3B4A-AF1D-89CAAD7AFFD1}" type="datetimeFigureOut">
               <a:rPr kumimoji="1" lang="ja-JP" altLang="en-US" smtClean="0"/>
-              <a:t>2023/9/21</a:t>
+              <a:t>2023/11/27</a:t>
             </a:fld>
             <a:endParaRPr kumimoji="1" lang="ja-JP" altLang="en-US"/>
           </a:p>
@@ -4275,7 +4275,7 @@
           <a:p>
             <a:fld id="{EDA4AE83-4A0C-3B4A-AF1D-89CAAD7AFFD1}" type="datetimeFigureOut">
               <a:rPr kumimoji="1" lang="ja-JP" altLang="en-US" smtClean="0"/>
-              <a:t>2023/9/21</a:t>
+              <a:t>2023/11/27</a:t>
             </a:fld>
             <a:endParaRPr kumimoji="1" lang="ja-JP" altLang="en-US"/>
           </a:p>
@@ -4563,7 +4563,7 @@
           <a:p>
             <a:fld id="{EDA4AE83-4A0C-3B4A-AF1D-89CAAD7AFFD1}" type="datetimeFigureOut">
               <a:rPr kumimoji="1" lang="ja-JP" altLang="en-US" smtClean="0"/>
-              <a:t>2023/9/21</a:t>
+              <a:t>2023/11/27</a:t>
             </a:fld>
             <a:endParaRPr kumimoji="1" lang="ja-JP" altLang="en-US"/>
           </a:p>
@@ -4836,7 +4836,7 @@
           <a:p>
             <a:fld id="{EDA4AE83-4A0C-3B4A-AF1D-89CAAD7AFFD1}" type="datetimeFigureOut">
               <a:rPr kumimoji="1" lang="ja-JP" altLang="en-US" smtClean="0"/>
-              <a:t>2023/9/21</a:t>
+              <a:t>2023/11/27</a:t>
             </a:fld>
             <a:endParaRPr kumimoji="1" lang="ja-JP" altLang="en-US"/>
           </a:p>
@@ -7390,8 +7390,8 @@
         </p:nvSpPr>
         <p:spPr>
           <a:xfrm>
-            <a:off x="838200" y="1825624"/>
-            <a:ext cx="8228308" cy="5032376"/>
+            <a:off x="838200" y="1690688"/>
+            <a:ext cx="8228308" cy="5167312"/>
           </a:xfrm>
         </p:spPr>
         <p:txBody>
@@ -7529,7 +7529,19 @@
             </a:r>
             <a:r>
               <a:rPr lang="en-US" altLang="ja-JP" dirty="0"/>
-              <a:t>x1, x2</a:t>
+              <a:t>x</a:t>
+            </a:r>
+            <a:r>
+              <a:rPr lang="en-US" altLang="ja-JP" baseline="-25000" dirty="0"/>
+              <a:t>1</a:t>
+            </a:r>
+            <a:r>
+              <a:rPr lang="en-US" altLang="ja-JP" dirty="0"/>
+              <a:t>, x</a:t>
+            </a:r>
+            <a:r>
+              <a:rPr lang="en-US" altLang="ja-JP" baseline="-25000" dirty="0"/>
+              <a:t>2</a:t>
             </a:r>
             <a:r>
               <a:rPr lang="ja-JP" altLang="en-US"/>
@@ -7537,7 +7549,11 @@
             </a:r>
             <a:r>
               <a:rPr lang="en-US" altLang="ja-JP" dirty="0"/>
-              <a:t>x2</a:t>
+              <a:t>x</a:t>
+            </a:r>
+            <a:r>
+              <a:rPr lang="en-US" altLang="ja-JP" baseline="-25000" dirty="0"/>
+              <a:t>2</a:t>
             </a:r>
             <a:r>
               <a:rPr lang="ja-JP" altLang="en-US"/>
@@ -7545,7 +7561,11 @@
             </a:r>
             <a:r>
               <a:rPr lang="en-US" altLang="ja-JP" dirty="0"/>
-              <a:t>x1</a:t>
+              <a:t>x</a:t>
+            </a:r>
+            <a:r>
+              <a:rPr lang="en-US" altLang="ja-JP" baseline="-25000" dirty="0"/>
+              <a:t>1</a:t>
             </a:r>
             <a:r>
               <a:rPr lang="ja-JP" altLang="en-US"/>
@@ -7553,7 +7573,11 @@
             </a:r>
             <a:r>
               <a:rPr lang="en-US" altLang="ja-JP" dirty="0"/>
-              <a:t>x2</a:t>
+              <a:t>x</a:t>
+            </a:r>
+            <a:r>
+              <a:rPr lang="en-US" altLang="ja-JP" baseline="-25000" dirty="0"/>
+              <a:t>2</a:t>
             </a:r>
             <a:r>
               <a:rPr lang="ja-JP" altLang="en-US"/>
@@ -7561,7 +7585,15 @@
             </a:r>
             <a:r>
               <a:rPr lang="en-US" altLang="ja-JP" dirty="0"/>
-              <a:t>x1-z</a:t>
+              <a:t>x</a:t>
+            </a:r>
+            <a:r>
+              <a:rPr lang="en-US" altLang="ja-JP" baseline="-25000" dirty="0"/>
+              <a:t>1</a:t>
+            </a:r>
+            <a:r>
+              <a:rPr lang="en-US" altLang="ja-JP" dirty="0"/>
+              <a:t>-z</a:t>
             </a:r>
             <a:r>
               <a:rPr lang="ja-JP" altLang="en-US"/>
@@ -8107,8 +8139,8 @@
         </p:nvSpPr>
         <p:spPr>
           <a:xfrm rot="5400000">
-            <a:off x="5071552" y="284919"/>
-            <a:ext cx="374473" cy="8039594"/>
+            <a:off x="4950471" y="169258"/>
+            <a:ext cx="374473" cy="7797432"/>
           </a:xfrm>
           <a:prstGeom prst="leftBrace">
             <a:avLst>
@@ -8159,7 +8191,7 @@
         </p:nvSpPr>
         <p:spPr>
           <a:xfrm>
-            <a:off x="3033238" y="3578510"/>
+            <a:off x="3033238" y="3341767"/>
             <a:ext cx="4078423" cy="369332"/>
           </a:xfrm>
           <a:prstGeom prst="rect">
@@ -8260,8 +8292,8 @@
         </p:nvSpPr>
         <p:spPr>
           <a:xfrm>
-            <a:off x="1238992" y="4514287"/>
-            <a:ext cx="4426084" cy="760021"/>
+            <a:off x="1238992" y="4277544"/>
+            <a:ext cx="4247989" cy="760021"/>
           </a:xfrm>
           <a:prstGeom prst="rect">
             <a:avLst/>
@@ -8356,8 +8388,8 @@
         </p:nvSpPr>
         <p:spPr>
           <a:xfrm>
-            <a:off x="5665076" y="4516720"/>
-            <a:ext cx="3613509" cy="760021"/>
+            <a:off x="5486982" y="4279977"/>
+            <a:ext cx="3549442" cy="760021"/>
           </a:xfrm>
           <a:prstGeom prst="rect">
             <a:avLst/>

--- a/R/スライド/第35回.pptx
+++ b/R/スライド/第35回.pptx
@@ -1284,7 +1284,7 @@
           <a:p>
             <a:fld id="{3DE4363B-A72F-604B-B2C5-57DD9C50814F}" type="datetimeFigureOut">
               <a:rPr kumimoji="1" lang="ja-JP" altLang="en-US" smtClean="0"/>
-              <a:t>2023/11/27</a:t>
+              <a:t>2024/6/23</a:t>
             </a:fld>
             <a:endParaRPr kumimoji="1" lang="ja-JP" altLang="en-US"/>
           </a:p>
@@ -1898,7 +1898,7 @@
           <a:p>
             <a:fld id="{EDA4AE83-4A0C-3B4A-AF1D-89CAAD7AFFD1}" type="datetimeFigureOut">
               <a:rPr kumimoji="1" lang="ja-JP" altLang="en-US" smtClean="0"/>
-              <a:t>2023/11/27</a:t>
+              <a:t>2024/6/23</a:t>
             </a:fld>
             <a:endParaRPr kumimoji="1" lang="ja-JP" altLang="en-US"/>
           </a:p>
@@ -2128,7 +2128,7 @@
           <a:p>
             <a:fld id="{EDA4AE83-4A0C-3B4A-AF1D-89CAAD7AFFD1}" type="datetimeFigureOut">
               <a:rPr kumimoji="1" lang="ja-JP" altLang="en-US" smtClean="0"/>
-              <a:t>2023/11/27</a:t>
+              <a:t>2024/6/23</a:t>
             </a:fld>
             <a:endParaRPr kumimoji="1" lang="ja-JP" altLang="en-US"/>
           </a:p>
@@ -2368,7 +2368,7 @@
           <a:p>
             <a:fld id="{EDA4AE83-4A0C-3B4A-AF1D-89CAAD7AFFD1}" type="datetimeFigureOut">
               <a:rPr kumimoji="1" lang="ja-JP" altLang="en-US" smtClean="0"/>
-              <a:t>2023/11/27</a:t>
+              <a:t>2024/6/23</a:t>
             </a:fld>
             <a:endParaRPr kumimoji="1" lang="ja-JP" altLang="en-US"/>
           </a:p>
@@ -2598,7 +2598,7 @@
           <a:p>
             <a:fld id="{EDA4AE83-4A0C-3B4A-AF1D-89CAAD7AFFD1}" type="datetimeFigureOut">
               <a:rPr kumimoji="1" lang="ja-JP" altLang="en-US" smtClean="0"/>
-              <a:t>2023/11/27</a:t>
+              <a:t>2024/6/23</a:t>
             </a:fld>
             <a:endParaRPr kumimoji="1" lang="ja-JP" altLang="en-US"/>
           </a:p>
@@ -2873,7 +2873,7 @@
           <a:p>
             <a:fld id="{EDA4AE83-4A0C-3B4A-AF1D-89CAAD7AFFD1}" type="datetimeFigureOut">
               <a:rPr kumimoji="1" lang="ja-JP" altLang="en-US" smtClean="0"/>
-              <a:t>2023/11/27</a:t>
+              <a:t>2024/6/23</a:t>
             </a:fld>
             <a:endParaRPr kumimoji="1" lang="ja-JP" altLang="en-US"/>
           </a:p>
@@ -3202,7 +3202,7 @@
           <a:p>
             <a:fld id="{EDA4AE83-4A0C-3B4A-AF1D-89CAAD7AFFD1}" type="datetimeFigureOut">
               <a:rPr kumimoji="1" lang="ja-JP" altLang="en-US" smtClean="0"/>
-              <a:t>2023/11/27</a:t>
+              <a:t>2024/6/23</a:t>
             </a:fld>
             <a:endParaRPr kumimoji="1" lang="ja-JP" altLang="en-US"/>
           </a:p>
@@ -3678,7 +3678,7 @@
           <a:p>
             <a:fld id="{EDA4AE83-4A0C-3B4A-AF1D-89CAAD7AFFD1}" type="datetimeFigureOut">
               <a:rPr kumimoji="1" lang="ja-JP" altLang="en-US" smtClean="0"/>
-              <a:t>2023/11/27</a:t>
+              <a:t>2024/6/23</a:t>
             </a:fld>
             <a:endParaRPr kumimoji="1" lang="ja-JP" altLang="en-US"/>
           </a:p>
@@ -3819,7 +3819,7 @@
           <a:p>
             <a:fld id="{EDA4AE83-4A0C-3B4A-AF1D-89CAAD7AFFD1}" type="datetimeFigureOut">
               <a:rPr kumimoji="1" lang="ja-JP" altLang="en-US" smtClean="0"/>
-              <a:t>2023/11/27</a:t>
+              <a:t>2024/6/23</a:t>
             </a:fld>
             <a:endParaRPr kumimoji="1" lang="ja-JP" altLang="en-US"/>
           </a:p>
@@ -3932,7 +3932,7 @@
           <a:p>
             <a:fld id="{EDA4AE83-4A0C-3B4A-AF1D-89CAAD7AFFD1}" type="datetimeFigureOut">
               <a:rPr kumimoji="1" lang="ja-JP" altLang="en-US" smtClean="0"/>
-              <a:t>2023/11/27</a:t>
+              <a:t>2024/6/23</a:t>
             </a:fld>
             <a:endParaRPr kumimoji="1" lang="ja-JP" altLang="en-US"/>
           </a:p>
@@ -4275,7 +4275,7 @@
           <a:p>
             <a:fld id="{EDA4AE83-4A0C-3B4A-AF1D-89CAAD7AFFD1}" type="datetimeFigureOut">
               <a:rPr kumimoji="1" lang="ja-JP" altLang="en-US" smtClean="0"/>
-              <a:t>2023/11/27</a:t>
+              <a:t>2024/6/23</a:t>
             </a:fld>
             <a:endParaRPr kumimoji="1" lang="ja-JP" altLang="en-US"/>
           </a:p>
@@ -4563,7 +4563,7 @@
           <a:p>
             <a:fld id="{EDA4AE83-4A0C-3B4A-AF1D-89CAAD7AFFD1}" type="datetimeFigureOut">
               <a:rPr kumimoji="1" lang="ja-JP" altLang="en-US" smtClean="0"/>
-              <a:t>2023/11/27</a:t>
+              <a:t>2024/6/23</a:t>
             </a:fld>
             <a:endParaRPr kumimoji="1" lang="ja-JP" altLang="en-US"/>
           </a:p>
@@ -4836,7 +4836,7 @@
           <a:p>
             <a:fld id="{EDA4AE83-4A0C-3B4A-AF1D-89CAAD7AFFD1}" type="datetimeFigureOut">
               <a:rPr kumimoji="1" lang="ja-JP" altLang="en-US" smtClean="0"/>
-              <a:t>2023/11/27</a:t>
+              <a:t>2024/6/23</a:t>
             </a:fld>
             <a:endParaRPr kumimoji="1" lang="ja-JP" altLang="en-US"/>
           </a:p>
@@ -7597,7 +7597,7 @@
             </a:r>
             <a:r>
               <a:rPr lang="ja-JP" altLang="en-US"/>
-              <a:t>に幕があった時にた時にできる山の影） 、これを周辺分布</a:t>
+              <a:t>に幕があった時にできる山の影） 、これを周辺分布</a:t>
             </a:r>
             <a:r>
               <a:rPr lang="en-US" altLang="ja-JP" dirty="0"/>
